--- a/Eye track Analysis Diagram.pptx
+++ b/Eye track Analysis Diagram.pptx
@@ -105,6 +105,11 @@
       </a:defRPr>
     </a:lvl9pPr>
   </p:defaultTextStyle>
+  <p:extLst>
+    <p:ext uri="{EFAFB233-063F-42B5-8137-9DF3F51BA10A}">
+      <p15:sldGuideLst xmlns:p15="http://schemas.microsoft.com/office/powerpoint/2012/main"/>
+    </p:ext>
+  </p:extLst>
 </p:presentation>
 </file>
 
@@ -291,7 +296,7 @@
           <a:p>
             <a:fld id="{4AAD347D-5ACD-4C99-B74B-A9C85AD731AF}" type="datetimeFigureOut">
               <a:rPr lang="en-US" dirty="0"/>
-              <a:t>4/24/2020</a:t>
+              <a:t>5/3/2020</a:t>
             </a:fld>
             <a:endParaRPr lang="en-US" dirty="0"/>
           </a:p>
@@ -561,7 +566,7 @@
           <a:p>
             <a:fld id="{4509A250-FF31-4206-8172-F9D3106AACB1}" type="datetimeFigureOut">
               <a:rPr lang="en-US" dirty="0"/>
-              <a:t>4/24/2020</a:t>
+              <a:t>5/3/2020</a:t>
             </a:fld>
             <a:endParaRPr lang="en-US" dirty="0"/>
           </a:p>
@@ -750,7 +755,7 @@
           <a:p>
             <a:fld id="{4509A250-FF31-4206-8172-F9D3106AACB1}" type="datetimeFigureOut">
               <a:rPr lang="en-US" dirty="0"/>
-              <a:t>4/24/2020</a:t>
+              <a:t>5/3/2020</a:t>
             </a:fld>
             <a:endParaRPr lang="en-US" dirty="0"/>
           </a:p>
@@ -1013,7 +1018,7 @@
           <a:p>
             <a:fld id="{4509A250-FF31-4206-8172-F9D3106AACB1}" type="datetimeFigureOut">
               <a:rPr lang="en-US" dirty="0"/>
-              <a:t>4/24/2020</a:t>
+              <a:t>5/3/2020</a:t>
             </a:fld>
             <a:endParaRPr lang="en-US" dirty="0"/>
           </a:p>
@@ -1340,7 +1345,7 @@
           <a:p>
             <a:fld id="{4509A250-FF31-4206-8172-F9D3106AACB1}" type="datetimeFigureOut">
               <a:rPr lang="en-US" dirty="0"/>
-              <a:t>4/24/2020</a:t>
+              <a:t>5/3/2020</a:t>
             </a:fld>
             <a:endParaRPr lang="en-US" dirty="0"/>
           </a:p>
@@ -1945,7 +1950,7 @@
           <a:p>
             <a:fld id="{4509A250-FF31-4206-8172-F9D3106AACB1}" type="datetimeFigureOut">
               <a:rPr lang="en-US" dirty="0"/>
-              <a:t>4/24/2020</a:t>
+              <a:t>5/3/2020</a:t>
             </a:fld>
             <a:endParaRPr lang="en-US" dirty="0"/>
           </a:p>
@@ -2787,7 +2792,7 @@
           <a:p>
             <a:fld id="{4509A250-FF31-4206-8172-F9D3106AACB1}" type="datetimeFigureOut">
               <a:rPr lang="en-US" dirty="0"/>
-              <a:t>4/24/2020</a:t>
+              <a:t>5/3/2020</a:t>
             </a:fld>
             <a:endParaRPr lang="en-US" dirty="0"/>
           </a:p>
@@ -2952,7 +2957,7 @@
           <a:p>
             <a:fld id="{4509A250-FF31-4206-8172-F9D3106AACB1}" type="datetimeFigureOut">
               <a:rPr lang="en-US" dirty="0"/>
-              <a:t>4/24/2020</a:t>
+              <a:t>5/3/2020</a:t>
             </a:fld>
             <a:endParaRPr lang="en-US" dirty="0"/>
           </a:p>
@@ -3127,7 +3132,7 @@
           <a:p>
             <a:fld id="{4509A250-FF31-4206-8172-F9D3106AACB1}" type="datetimeFigureOut">
               <a:rPr lang="en-US" dirty="0"/>
-              <a:t>4/24/2020</a:t>
+              <a:t>5/3/2020</a:t>
             </a:fld>
             <a:endParaRPr lang="en-US" dirty="0"/>
           </a:p>
@@ -3292,7 +3297,7 @@
           <a:p>
             <a:fld id="{4509A250-FF31-4206-8172-F9D3106AACB1}" type="datetimeFigureOut">
               <a:rPr lang="en-US" dirty="0"/>
-              <a:t>4/24/2020</a:t>
+              <a:t>5/3/2020</a:t>
             </a:fld>
             <a:endParaRPr lang="en-US" dirty="0"/>
           </a:p>
@@ -3531,7 +3536,7 @@
           <a:p>
             <a:fld id="{4509A250-FF31-4206-8172-F9D3106AACB1}" type="datetimeFigureOut">
               <a:rPr lang="en-US" dirty="0"/>
-              <a:t>4/24/2020</a:t>
+              <a:t>5/3/2020</a:t>
             </a:fld>
             <a:endParaRPr lang="en-US" dirty="0"/>
           </a:p>
@@ -3818,7 +3823,7 @@
           <a:p>
             <a:fld id="{4509A250-FF31-4206-8172-F9D3106AACB1}" type="datetimeFigureOut">
               <a:rPr lang="en-US" dirty="0"/>
-              <a:t>4/24/2020</a:t>
+              <a:t>5/3/2020</a:t>
             </a:fld>
             <a:endParaRPr lang="en-US" dirty="0"/>
           </a:p>
@@ -4251,7 +4256,7 @@
           <a:p>
             <a:fld id="{4509A250-FF31-4206-8172-F9D3106AACB1}" type="datetimeFigureOut">
               <a:rPr lang="en-US" dirty="0"/>
-              <a:t>4/24/2020</a:t>
+              <a:t>5/3/2020</a:t>
             </a:fld>
             <a:endParaRPr lang="en-US" dirty="0"/>
           </a:p>
@@ -4364,7 +4369,7 @@
           <a:p>
             <a:fld id="{4509A250-FF31-4206-8172-F9D3106AACB1}" type="datetimeFigureOut">
               <a:rPr lang="en-US" dirty="0"/>
-              <a:t>4/24/2020</a:t>
+              <a:t>5/3/2020</a:t>
             </a:fld>
             <a:endParaRPr lang="en-US" dirty="0"/>
           </a:p>
@@ -4454,7 +4459,7 @@
           <a:p>
             <a:fld id="{4509A250-FF31-4206-8172-F9D3106AACB1}" type="datetimeFigureOut">
               <a:rPr lang="en-US" dirty="0"/>
-              <a:t>4/24/2020</a:t>
+              <a:t>5/3/2020</a:t>
             </a:fld>
             <a:endParaRPr lang="en-US" dirty="0"/>
           </a:p>
@@ -4728,7 +4733,7 @@
           <a:p>
             <a:fld id="{4509A250-FF31-4206-8172-F9D3106AACB1}" type="datetimeFigureOut">
               <a:rPr lang="en-US" dirty="0"/>
-              <a:t>4/24/2020</a:t>
+              <a:t>5/3/2020</a:t>
             </a:fld>
             <a:endParaRPr lang="en-US" dirty="0"/>
           </a:p>
@@ -4998,7 +5003,7 @@
           <a:p>
             <a:fld id="{4509A250-FF31-4206-8172-F9D3106AACB1}" type="datetimeFigureOut">
               <a:rPr lang="en-US" dirty="0"/>
-              <a:t>4/24/2020</a:t>
+              <a:t>5/3/2020</a:t>
             </a:fld>
             <a:endParaRPr lang="en-US" dirty="0"/>
           </a:p>
@@ -5422,7 +5427,7 @@
           <a:p>
             <a:fld id="{4509A250-FF31-4206-8172-F9D3106AACB1}" type="datetimeFigureOut">
               <a:rPr lang="en-US" dirty="0"/>
-              <a:t>4/24/2020</a:t>
+              <a:t>5/3/2020</a:t>
             </a:fld>
             <a:endParaRPr lang="en-US" dirty="0"/>
           </a:p>
@@ -5935,10 +5940,10 @@
           <a:lstStyle/>
           <a:p>
             <a:r>
-              <a:rPr lang="fa-IR" smtClean="0">
+              <a:rPr lang="en-US" dirty="0" smtClean="0">
                 <a:cs typeface="B Nazanin" panose="00000400000000000000" pitchFamily="2" charset="-78"/>
               </a:rPr>
-              <a:t>نذنبذزنذننذشنز </a:t>
+              <a:t>Eye tracking classification</a:t>
             </a:r>
             <a:endParaRPr lang="en-US" dirty="0">
               <a:cs typeface="B Nazanin" panose="00000400000000000000" pitchFamily="2" charset="-78"/>
@@ -5961,7 +5966,7 @@
           <a:bodyPr/>
           <a:lstStyle/>
           <a:p>
-            <a:endParaRPr lang="en-US"/>
+            <a:endParaRPr lang="en-US" dirty="0"/>
           </a:p>
         </p:txBody>
       </p:sp>
@@ -6010,13 +6015,185 @@
           <a:bodyPr/>
           <a:lstStyle/>
           <a:p>
+            <a:r>
+              <a:rPr lang="en-US" dirty="0" smtClean="0"/>
+              <a:t>Data preparing</a:t>
+            </a:r>
+            <a:endParaRPr lang="en-US" dirty="0"/>
+          </a:p>
+        </p:txBody>
+      </p:sp>
+      <p:sp>
+        <p:nvSpPr>
+          <p:cNvPr id="5" name="Rectangle 4"/>
+          <p:cNvSpPr/>
+          <p:nvPr/>
+        </p:nvSpPr>
+        <p:spPr>
+          <a:xfrm>
+            <a:off x="3644900" y="2423458"/>
+            <a:ext cx="2298700" cy="1727200"/>
+          </a:xfrm>
+          <a:prstGeom prst="rect">
+            <a:avLst/>
+          </a:prstGeom>
+        </p:spPr>
+        <p:style>
+          <a:lnRef idx="2">
+            <a:schemeClr val="accent1">
+              <a:shade val="50000"/>
+            </a:schemeClr>
+          </a:lnRef>
+          <a:fillRef idx="1">
+            <a:schemeClr val="accent1"/>
+          </a:fillRef>
+          <a:effectRef idx="0">
+            <a:schemeClr val="accent1"/>
+          </a:effectRef>
+          <a:fontRef idx="minor">
+            <a:schemeClr val="lt1"/>
+          </a:fontRef>
+        </p:style>
+        <p:txBody>
+          <a:bodyPr rtlCol="0" anchor="ctr"/>
+          <a:lstStyle/>
+          <a:p>
+            <a:pPr algn="ctr"/>
+            <a:r>
+              <a:rPr lang="en-US" dirty="0" smtClean="0"/>
+              <a:t>Eliminating of 16 sample data because of missing value in data  </a:t>
+            </a:r>
+            <a:endParaRPr lang="en-US" dirty="0"/>
+          </a:p>
+        </p:txBody>
+      </p:sp>
+      <p:sp>
+        <p:nvSpPr>
+          <p:cNvPr id="6" name="Rectangle 5"/>
+          <p:cNvSpPr/>
+          <p:nvPr/>
+        </p:nvSpPr>
+        <p:spPr>
+          <a:xfrm>
+            <a:off x="457200" y="2423458"/>
+            <a:ext cx="2298700" cy="1727200"/>
+          </a:xfrm>
+          <a:prstGeom prst="rect">
+            <a:avLst/>
+          </a:prstGeom>
+        </p:spPr>
+        <p:style>
+          <a:lnRef idx="2">
+            <a:schemeClr val="accent1">
+              <a:shade val="50000"/>
+            </a:schemeClr>
+          </a:lnRef>
+          <a:fillRef idx="1">
+            <a:schemeClr val="accent1"/>
+          </a:fillRef>
+          <a:effectRef idx="0">
+            <a:schemeClr val="accent1"/>
+          </a:effectRef>
+          <a:fontRef idx="minor">
+            <a:schemeClr val="lt1"/>
+          </a:fontRef>
+        </p:style>
+        <p:txBody>
+          <a:bodyPr rtlCol="0" anchor="ctr"/>
+          <a:lstStyle/>
+          <a:p>
+            <a:pPr algn="ctr"/>
+            <a:r>
+              <a:rPr lang="en-US" dirty="0" smtClean="0"/>
+              <a:t>Input recorded data from 120 people</a:t>
+            </a:r>
+            <a:endParaRPr lang="en-US" dirty="0"/>
+          </a:p>
+        </p:txBody>
+      </p:sp>
+      <p:sp>
+        <p:nvSpPr>
+          <p:cNvPr id="8" name="Down Arrow 7"/>
+          <p:cNvSpPr/>
+          <p:nvPr/>
+        </p:nvSpPr>
+        <p:spPr>
+          <a:xfrm rot="16200000">
+            <a:off x="2755900" y="3027681"/>
+            <a:ext cx="901700" cy="782319"/>
+          </a:xfrm>
+          <a:prstGeom prst="downArrow">
+            <a:avLst/>
+          </a:prstGeom>
+        </p:spPr>
+        <p:style>
+          <a:lnRef idx="2">
+            <a:schemeClr val="accent1">
+              <a:shade val="50000"/>
+            </a:schemeClr>
+          </a:lnRef>
+          <a:fillRef idx="1">
+            <a:schemeClr val="accent1"/>
+          </a:fillRef>
+          <a:effectRef idx="0">
+            <a:schemeClr val="accent1"/>
+          </a:effectRef>
+          <a:fontRef idx="minor">
+            <a:schemeClr val="lt1"/>
+          </a:fontRef>
+        </p:style>
+        <p:txBody>
+          <a:bodyPr rtlCol="0" anchor="ctr"/>
+          <a:lstStyle/>
+          <a:p>
+            <a:pPr algn="ctr"/>
             <a:endParaRPr lang="en-US"/>
           </a:p>
         </p:txBody>
       </p:sp>
       <p:sp>
         <p:nvSpPr>
-          <p:cNvPr id="3" name="Content Placeholder 2"/>
+          <p:cNvPr id="10" name="Down Arrow 9"/>
+          <p:cNvSpPr/>
+          <p:nvPr/>
+        </p:nvSpPr>
+        <p:spPr>
+          <a:xfrm rot="16200000">
+            <a:off x="5930900" y="2895899"/>
+            <a:ext cx="901700" cy="782319"/>
+          </a:xfrm>
+          <a:prstGeom prst="downArrow">
+            <a:avLst/>
+          </a:prstGeom>
+        </p:spPr>
+        <p:style>
+          <a:lnRef idx="2">
+            <a:schemeClr val="accent1">
+              <a:shade val="50000"/>
+            </a:schemeClr>
+          </a:lnRef>
+          <a:fillRef idx="1">
+            <a:schemeClr val="accent1"/>
+          </a:fillRef>
+          <a:effectRef idx="0">
+            <a:schemeClr val="accent1"/>
+          </a:effectRef>
+          <a:fontRef idx="minor">
+            <a:schemeClr val="lt1"/>
+          </a:fontRef>
+        </p:style>
+        <p:txBody>
+          <a:bodyPr rtlCol="0" anchor="ctr"/>
+          <a:lstStyle/>
+          <a:p>
+            <a:pPr algn="ctr"/>
+            <a:endParaRPr lang="en-US"/>
+          </a:p>
+        </p:txBody>
+      </p:sp>
+      <p:sp>
+        <p:nvSpPr>
+          <p:cNvPr id="11" name="Content Placeholder 10"/>
           <p:cNvSpPr>
             <a:spLocks noGrp="1"/>
           </p:cNvSpPr>
@@ -6024,15 +6201,358 @@
             <p:ph idx="1"/>
           </p:nvPr>
         </p:nvSpPr>
-        <p:spPr/>
-        <p:txBody>
-          <a:bodyPr/>
+        <p:spPr>
+          <a:xfrm>
+            <a:off x="6654800" y="2423458"/>
+            <a:ext cx="5245100" cy="1727200"/>
+          </a:xfrm>
+          <a:prstGeom prst="rect">
+            <a:avLst/>
+          </a:prstGeom>
+        </p:spPr>
+        <p:style>
+          <a:lnRef idx="2">
+            <a:schemeClr val="accent1">
+              <a:shade val="50000"/>
+            </a:schemeClr>
+          </a:lnRef>
+          <a:fillRef idx="1">
+            <a:schemeClr val="accent1"/>
+          </a:fillRef>
+          <a:effectRef idx="0">
+            <a:schemeClr val="accent1"/>
+          </a:effectRef>
+          <a:fontRef idx="minor">
+            <a:schemeClr val="lt1"/>
+          </a:fontRef>
+        </p:style>
+        <p:txBody>
+          <a:bodyPr rtlCol="0" anchor="ctr"/>
           <a:lstStyle/>
           <a:p>
-            <a:endParaRPr lang="en-US"/>
-          </a:p>
-        </p:txBody>
-      </p:sp>
+            <a:pPr algn="ctr"/>
+            <a:r>
+              <a:rPr lang="en-US" dirty="0" smtClean="0"/>
+              <a:t>Dividing data in to two groups</a:t>
+            </a:r>
+          </a:p>
+          <a:p>
+            <a:pPr algn="ctr"/>
+            <a:r>
+              <a:rPr lang="en-US" dirty="0" smtClean="0"/>
+              <a:t>group1(Alzheimer, Control)</a:t>
+            </a:r>
+          </a:p>
+          <a:p>
+            <a:pPr algn="ctr"/>
+            <a:r>
+              <a:rPr lang="en-US" dirty="0" smtClean="0"/>
+              <a:t>Group2:(</a:t>
+            </a:r>
+            <a:r>
+              <a:rPr lang="en-US" dirty="0" smtClean="0">
+                <a:solidFill>
+                  <a:srgbClr val="FF0000"/>
+                </a:solidFill>
+              </a:rPr>
+              <a:t>DCMI?, </a:t>
+            </a:r>
+            <a:r>
+              <a:rPr lang="en-US" dirty="0" smtClean="0">
+                <a:solidFill>
+                  <a:schemeClr val="tx1"/>
+                </a:solidFill>
+              </a:rPr>
+              <a:t>Control</a:t>
+            </a:r>
+            <a:r>
+              <a:rPr lang="en-US" dirty="0" smtClean="0"/>
+              <a:t>)</a:t>
+            </a:r>
+            <a:endParaRPr lang="en-US" dirty="0"/>
+          </a:p>
+        </p:txBody>
+      </p:sp>
+      <p:graphicFrame>
+        <p:nvGraphicFramePr>
+          <p:cNvPr id="12" name="Table 11"/>
+          <p:cNvGraphicFramePr>
+            <a:graphicFrameLocks noGrp="1"/>
+          </p:cNvGraphicFramePr>
+          <p:nvPr>
+            <p:extLst>
+              <p:ext uri="{D42A27DB-BD31-4B8C-83A1-F6EECF244321}">
+                <p14:modId xmlns:p14="http://schemas.microsoft.com/office/powerpoint/2010/main" val="154678730"/>
+              </p:ext>
+            </p:extLst>
+          </p:nvPr>
+        </p:nvGraphicFramePr>
+        <p:xfrm>
+          <a:off x="863600" y="4577358"/>
+          <a:ext cx="8128000" cy="1112520"/>
+        </p:xfrm>
+        <a:graphic>
+          <a:graphicData uri="http://schemas.openxmlformats.org/drawingml/2006/table">
+            <a:tbl>
+              <a:tblPr firstRow="1" bandRow="1">
+                <a:tableStyleId>{5C22544A-7EE6-4342-B048-85BDC9FD1C3A}</a:tableStyleId>
+              </a:tblPr>
+              <a:tblGrid>
+                <a:gridCol w="1625600">
+                  <a:extLst>
+                    <a:ext uri="{9D8B030D-6E8A-4147-A177-3AD203B41FA5}">
+                      <a16:colId xmlns:a16="http://schemas.microsoft.com/office/drawing/2014/main" val="1241832938"/>
+                    </a:ext>
+                  </a:extLst>
+                </a:gridCol>
+                <a:gridCol w="1625600">
+                  <a:extLst>
+                    <a:ext uri="{9D8B030D-6E8A-4147-A177-3AD203B41FA5}">
+                      <a16:colId xmlns:a16="http://schemas.microsoft.com/office/drawing/2014/main" val="2229137466"/>
+                    </a:ext>
+                  </a:extLst>
+                </a:gridCol>
+                <a:gridCol w="1625600">
+                  <a:extLst>
+                    <a:ext uri="{9D8B030D-6E8A-4147-A177-3AD203B41FA5}">
+                      <a16:colId xmlns:a16="http://schemas.microsoft.com/office/drawing/2014/main" val="987164111"/>
+                    </a:ext>
+                  </a:extLst>
+                </a:gridCol>
+                <a:gridCol w="1625600">
+                  <a:extLst>
+                    <a:ext uri="{9D8B030D-6E8A-4147-A177-3AD203B41FA5}">
+                      <a16:colId xmlns:a16="http://schemas.microsoft.com/office/drawing/2014/main" val="695690977"/>
+                    </a:ext>
+                  </a:extLst>
+                </a:gridCol>
+                <a:gridCol w="1625600">
+                  <a:extLst>
+                    <a:ext uri="{9D8B030D-6E8A-4147-A177-3AD203B41FA5}">
+                      <a16:colId xmlns:a16="http://schemas.microsoft.com/office/drawing/2014/main" val="873567234"/>
+                    </a:ext>
+                  </a:extLst>
+                </a:gridCol>
+              </a:tblGrid>
+              <a:tr h="370840">
+                <a:tc>
+                  <a:txBody>
+                    <a:bodyPr/>
+                    <a:lstStyle/>
+                    <a:p>
+                      <a:r>
+                        <a:rPr lang="en-US" dirty="0" smtClean="0"/>
+                        <a:t>Alzheimer</a:t>
+                      </a:r>
+                      <a:endParaRPr lang="en-US" dirty="0"/>
+                    </a:p>
+                  </a:txBody>
+                  <a:tcPr/>
+                </a:tc>
+                <a:tc>
+                  <a:txBody>
+                    <a:bodyPr/>
+                    <a:lstStyle/>
+                    <a:p>
+                      <a:r>
+                        <a:rPr lang="en-US" dirty="0" smtClean="0"/>
+                        <a:t>Control</a:t>
+                      </a:r>
+                      <a:endParaRPr lang="en-US" dirty="0"/>
+                    </a:p>
+                  </a:txBody>
+                  <a:tcPr/>
+                </a:tc>
+                <a:tc>
+                  <a:txBody>
+                    <a:bodyPr/>
+                    <a:lstStyle/>
+                    <a:p>
+                      <a:r>
+                        <a:rPr lang="en-US" dirty="0" smtClean="0">
+                          <a:solidFill>
+                            <a:srgbClr val="FF0000"/>
+                          </a:solidFill>
+                        </a:rPr>
+                        <a:t>DCMI</a:t>
+                      </a:r>
+                      <a:endParaRPr lang="en-US" dirty="0"/>
+                    </a:p>
+                  </a:txBody>
+                  <a:tcPr/>
+                </a:tc>
+                <a:tc>
+                  <a:txBody>
+                    <a:bodyPr/>
+                    <a:lstStyle/>
+                    <a:p>
+                      <a:r>
+                        <a:rPr lang="en-US" dirty="0" smtClean="0"/>
+                        <a:t>group1</a:t>
+                      </a:r>
+                      <a:endParaRPr lang="en-US" dirty="0"/>
+                    </a:p>
+                  </a:txBody>
+                  <a:tcPr/>
+                </a:tc>
+                <a:tc>
+                  <a:txBody>
+                    <a:bodyPr/>
+                    <a:lstStyle/>
+                    <a:p>
+                      <a:r>
+                        <a:rPr lang="en-US" dirty="0" smtClean="0"/>
+                        <a:t>group2</a:t>
+                      </a:r>
+                      <a:endParaRPr lang="en-US" dirty="0"/>
+                    </a:p>
+                  </a:txBody>
+                  <a:tcPr/>
+                </a:tc>
+                <a:extLst>
+                  <a:ext uri="{0D108BD9-81ED-4DB2-BD59-A6C34878D82A}">
+                    <a16:rowId xmlns:a16="http://schemas.microsoft.com/office/drawing/2014/main" val="3364337139"/>
+                  </a:ext>
+                </a:extLst>
+              </a:tr>
+              <a:tr h="370840">
+                <a:tc>
+                  <a:txBody>
+                    <a:bodyPr/>
+                    <a:lstStyle/>
+                    <a:p>
+                      <a:r>
+                        <a:rPr lang="en-US" smtClean="0"/>
+                        <a:t>19</a:t>
+                      </a:r>
+                      <a:endParaRPr lang="en-US" dirty="0"/>
+                    </a:p>
+                  </a:txBody>
+                  <a:tcPr/>
+                </a:tc>
+                <a:tc>
+                  <a:txBody>
+                    <a:bodyPr/>
+                    <a:lstStyle/>
+                    <a:p>
+                      <a:r>
+                        <a:rPr lang="en-US" dirty="0" smtClean="0"/>
+                        <a:t>49</a:t>
+                      </a:r>
+                      <a:endParaRPr lang="en-US" dirty="0"/>
+                    </a:p>
+                  </a:txBody>
+                  <a:tcPr/>
+                </a:tc>
+                <a:tc>
+                  <a:txBody>
+                    <a:bodyPr/>
+                    <a:lstStyle/>
+                    <a:p>
+                      <a:r>
+                        <a:rPr lang="en-US" dirty="0" smtClean="0"/>
+                        <a:t>36</a:t>
+                      </a:r>
+                      <a:endParaRPr lang="en-US" dirty="0"/>
+                    </a:p>
+                  </a:txBody>
+                  <a:tcPr/>
+                </a:tc>
+                <a:tc>
+                  <a:txBody>
+                    <a:bodyPr/>
+                    <a:lstStyle/>
+                    <a:p>
+                      <a:r>
+                        <a:rPr lang="en-US" dirty="0" smtClean="0"/>
+                        <a:t>68</a:t>
+                      </a:r>
+                      <a:endParaRPr lang="en-US" dirty="0"/>
+                    </a:p>
+                  </a:txBody>
+                  <a:tcPr/>
+                </a:tc>
+                <a:tc>
+                  <a:txBody>
+                    <a:bodyPr/>
+                    <a:lstStyle/>
+                    <a:p>
+                      <a:r>
+                        <a:rPr lang="en-US" dirty="0" smtClean="0"/>
+                        <a:t>85</a:t>
+                      </a:r>
+                      <a:endParaRPr lang="en-US" dirty="0"/>
+                    </a:p>
+                  </a:txBody>
+                  <a:tcPr/>
+                </a:tc>
+                <a:extLst>
+                  <a:ext uri="{0D108BD9-81ED-4DB2-BD59-A6C34878D82A}">
+                    <a16:rowId xmlns:a16="http://schemas.microsoft.com/office/drawing/2014/main" val="2366391614"/>
+                  </a:ext>
+                </a:extLst>
+              </a:tr>
+              <a:tr h="370840">
+                <a:tc>
+                  <a:txBody>
+                    <a:bodyPr/>
+                    <a:lstStyle/>
+                    <a:p>
+                      <a:endParaRPr lang="en-US"/>
+                    </a:p>
+                  </a:txBody>
+                  <a:tcPr/>
+                </a:tc>
+                <a:tc>
+                  <a:txBody>
+                    <a:bodyPr/>
+                    <a:lstStyle/>
+                    <a:p>
+                      <a:endParaRPr lang="en-US"/>
+                    </a:p>
+                  </a:txBody>
+                  <a:tcPr/>
+                </a:tc>
+                <a:tc>
+                  <a:txBody>
+                    <a:bodyPr/>
+                    <a:lstStyle/>
+                    <a:p>
+                      <a:endParaRPr lang="en-US"/>
+                    </a:p>
+                  </a:txBody>
+                  <a:tcPr/>
+                </a:tc>
+                <a:tc>
+                  <a:txBody>
+                    <a:bodyPr/>
+                    <a:lstStyle/>
+                    <a:p>
+                      <a:endParaRPr lang="en-US"/>
+                    </a:p>
+                  </a:txBody>
+                  <a:tcPr/>
+                </a:tc>
+                <a:tc>
+                  <a:txBody>
+                    <a:bodyPr/>
+                    <a:lstStyle/>
+                    <a:p>
+                      <a:endParaRPr lang="en-US" dirty="0"/>
+                    </a:p>
+                  </a:txBody>
+                  <a:tcPr/>
+                </a:tc>
+                <a:extLst>
+                  <a:ext uri="{0D108BD9-81ED-4DB2-BD59-A6C34878D82A}">
+                    <a16:rowId xmlns:a16="http://schemas.microsoft.com/office/drawing/2014/main" val="2256439326"/>
+                  </a:ext>
+                </a:extLst>
+              </a:tr>
+            </a:tbl>
+          </a:graphicData>
+        </a:graphic>
+      </p:graphicFrame>
     </p:spTree>
     <p:extLst>
       <p:ext uri="{BB962C8B-B14F-4D97-AF65-F5344CB8AC3E}">

--- a/Eye track Analysis Diagram.pptx
+++ b/Eye track Analysis Diagram.pptx
@@ -6422,7 +6422,7 @@
                     <a:lstStyle/>
                     <a:p>
                       <a:r>
-                        <a:rPr lang="en-US" smtClean="0"/>
+                        <a:rPr lang="en-US" dirty="0" smtClean="0"/>
                         <a:t>19</a:t>
                       </a:r>
                       <a:endParaRPr lang="en-US" dirty="0"/>
